--- a/ESG_Analysis_Presentation.pptx
+++ b/ESG_Analysis_Presentation.pptx
@@ -4176,7 +4176,7 @@
       <p:grpSpPr/>
       <p:pic>
         <p:nvPicPr>
-          <p:cNvPr id="4" name="Picture 3" descr="Capture 1"/>
+          <p:cNvPr id="5" name="Picture 4" descr="Capture"/>
           <p:cNvPicPr>
             <a:picLocks noChangeAspect="1"/>
           </p:cNvPicPr>
@@ -4190,8 +4190,8 @@
         </p:blipFill>
         <p:spPr>
           <a:xfrm>
-            <a:off x="0" y="902970"/>
-            <a:ext cx="9144000" cy="5052060"/>
+            <a:off x="148590" y="632460"/>
+            <a:ext cx="8846820" cy="5593080"/>
           </a:xfrm>
           <a:prstGeom prst="rect">
             <a:avLst/>
